--- a/presentations/H2002 친구 추천.pptx
+++ b/presentations/H2002 친구 추천.pptx
@@ -115,6 +115,11 @@
       </a:defRPr>
     </a:lvl9pPr>
   </p:defaultTextStyle>
+  <p:extLst>
+    <p:ext uri="{EFAFB233-063F-42B5-8137-9DF3F51BA10A}">
+      <p15:sldGuideLst xmlns:p15="http://schemas.microsoft.com/office/powerpoint/2012/main"/>
+    </p:ext>
+  </p:extLst>
 </p:presentation>
 </file>
 
@@ -265,7 +270,7 @@
           <a:p>
             <a:fld id="{7940EA64-1560-42BA-9E2E-DBF99A106024}" type="datetimeFigureOut">
               <a:rPr lang="ko-KR" altLang="en-US" smtClean="0"/>
-              <a:t>2020-06-19</a:t>
+              <a:t>2020-06-20</a:t>
             </a:fld>
             <a:endParaRPr lang="ko-KR" altLang="en-US"/>
           </a:p>
@@ -463,7 +468,7 @@
           <a:p>
             <a:fld id="{7940EA64-1560-42BA-9E2E-DBF99A106024}" type="datetimeFigureOut">
               <a:rPr lang="ko-KR" altLang="en-US" smtClean="0"/>
-              <a:t>2020-06-19</a:t>
+              <a:t>2020-06-20</a:t>
             </a:fld>
             <a:endParaRPr lang="ko-KR" altLang="en-US"/>
           </a:p>
@@ -671,7 +676,7 @@
           <a:p>
             <a:fld id="{7940EA64-1560-42BA-9E2E-DBF99A106024}" type="datetimeFigureOut">
               <a:rPr lang="ko-KR" altLang="en-US" smtClean="0"/>
-              <a:t>2020-06-19</a:t>
+              <a:t>2020-06-20</a:t>
             </a:fld>
             <a:endParaRPr lang="ko-KR" altLang="en-US"/>
           </a:p>
@@ -869,7 +874,7 @@
           <a:p>
             <a:fld id="{7940EA64-1560-42BA-9E2E-DBF99A106024}" type="datetimeFigureOut">
               <a:rPr lang="ko-KR" altLang="en-US" smtClean="0"/>
-              <a:t>2020-06-19</a:t>
+              <a:t>2020-06-20</a:t>
             </a:fld>
             <a:endParaRPr lang="ko-KR" altLang="en-US"/>
           </a:p>
@@ -1144,7 +1149,7 @@
           <a:p>
             <a:fld id="{7940EA64-1560-42BA-9E2E-DBF99A106024}" type="datetimeFigureOut">
               <a:rPr lang="ko-KR" altLang="en-US" smtClean="0"/>
-              <a:t>2020-06-19</a:t>
+              <a:t>2020-06-20</a:t>
             </a:fld>
             <a:endParaRPr lang="ko-KR" altLang="en-US"/>
           </a:p>
@@ -1409,7 +1414,7 @@
           <a:p>
             <a:fld id="{7940EA64-1560-42BA-9E2E-DBF99A106024}" type="datetimeFigureOut">
               <a:rPr lang="ko-KR" altLang="en-US" smtClean="0"/>
-              <a:t>2020-06-19</a:t>
+              <a:t>2020-06-20</a:t>
             </a:fld>
             <a:endParaRPr lang="ko-KR" altLang="en-US"/>
           </a:p>
@@ -1821,7 +1826,7 @@
           <a:p>
             <a:fld id="{7940EA64-1560-42BA-9E2E-DBF99A106024}" type="datetimeFigureOut">
               <a:rPr lang="ko-KR" altLang="en-US" smtClean="0"/>
-              <a:t>2020-06-19</a:t>
+              <a:t>2020-06-20</a:t>
             </a:fld>
             <a:endParaRPr lang="ko-KR" altLang="en-US"/>
           </a:p>
@@ -1962,7 +1967,7 @@
           <a:p>
             <a:fld id="{7940EA64-1560-42BA-9E2E-DBF99A106024}" type="datetimeFigureOut">
               <a:rPr lang="ko-KR" altLang="en-US" smtClean="0"/>
-              <a:t>2020-06-19</a:t>
+              <a:t>2020-06-20</a:t>
             </a:fld>
             <a:endParaRPr lang="ko-KR" altLang="en-US"/>
           </a:p>
@@ -2075,7 +2080,7 @@
           <a:p>
             <a:fld id="{7940EA64-1560-42BA-9E2E-DBF99A106024}" type="datetimeFigureOut">
               <a:rPr lang="ko-KR" altLang="en-US" smtClean="0"/>
-              <a:t>2020-06-19</a:t>
+              <a:t>2020-06-20</a:t>
             </a:fld>
             <a:endParaRPr lang="ko-KR" altLang="en-US"/>
           </a:p>
@@ -2386,7 +2391,7 @@
           <a:p>
             <a:fld id="{7940EA64-1560-42BA-9E2E-DBF99A106024}" type="datetimeFigureOut">
               <a:rPr lang="ko-KR" altLang="en-US" smtClean="0"/>
-              <a:t>2020-06-19</a:t>
+              <a:t>2020-06-20</a:t>
             </a:fld>
             <a:endParaRPr lang="ko-KR" altLang="en-US"/>
           </a:p>
@@ -2674,7 +2679,7 @@
           <a:p>
             <a:fld id="{7940EA64-1560-42BA-9E2E-DBF99A106024}" type="datetimeFigureOut">
               <a:rPr lang="ko-KR" altLang="en-US" smtClean="0"/>
-              <a:t>2020-06-19</a:t>
+              <a:t>2020-06-20</a:t>
             </a:fld>
             <a:endParaRPr lang="ko-KR" altLang="en-US"/>
           </a:p>
@@ -2915,7 +2920,7 @@
           <a:p>
             <a:fld id="{7940EA64-1560-42BA-9E2E-DBF99A106024}" type="datetimeFigureOut">
               <a:rPr lang="ko-KR" altLang="en-US" smtClean="0"/>
-              <a:t>2020-06-19</a:t>
+              <a:t>2020-06-20</a:t>
             </a:fld>
             <a:endParaRPr lang="ko-KR" altLang="en-US"/>
           </a:p>
@@ -3934,7 +3939,7 @@
                         <a:effectLst/>
                         <a:latin typeface="Cambria Math" panose="02040503050406030204" pitchFamily="18" charset="0"/>
                       </a:rPr>
-                      <m:t>𝑭</m:t>
+                      <m:t>𝒇</m:t>
                     </m:r>
                     <m:r>
                       <a:rPr lang="en-US" altLang="ko-KR" b="1" i="1" smtClean="0">
@@ -4206,8 +4211,8 @@
           </a:p>
         </p:txBody>
       </p:sp>
-      <mc:AlternateContent xmlns:mc="http://schemas.openxmlformats.org/markup-compatibility/2006">
-        <mc:Choice xmlns:a14="http://schemas.microsoft.com/office/drawing/2010/main" Requires="a14">
+      <mc:AlternateContent xmlns:mc="http://schemas.openxmlformats.org/markup-compatibility/2006" xmlns:a14="http://schemas.microsoft.com/office/drawing/2010/main">
+        <mc:Choice Requires="a14">
           <p:sp>
             <p:nvSpPr>
               <p:cNvPr id="3" name="내용 개체 틀 2">
@@ -5171,17 +5176,7 @@
                         <a:effectLst/>
                         <a:latin typeface="Cambria Math" panose="02040503050406030204" pitchFamily="18" charset="0"/>
                       </a:rPr>
-                      <m:t>𝒍𝒈</m:t>
-                    </m:r>
-                    <m:r>
-                      <a:rPr lang="en-US" altLang="ko-KR" b="1" i="1" smtClean="0">
-                        <a:solidFill>
-                          <a:srgbClr val="008000"/>
-                        </a:solidFill>
-                        <a:effectLst/>
-                        <a:latin typeface="Cambria Math" panose="02040503050406030204" pitchFamily="18" charset="0"/>
-                      </a:rPr>
-                      <m:t>𝑵</m:t>
+                      <m:t>𝒍𝒈𝑵</m:t>
                     </m:r>
                     <m:r>
                       <a:rPr lang="en-US" altLang="ko-KR" b="1" i="1" smtClean="0">
@@ -5252,7 +5247,7 @@
             </p:txBody>
           </p:sp>
         </mc:Choice>
-        <mc:Fallback>
+        <mc:Fallback xmlns="">
           <p:sp>
             <p:nvSpPr>
               <p:cNvPr id="3" name="내용 개체 틀 2">
@@ -6736,8 +6731,8 @@
           </a:p>
         </p:txBody>
       </p:sp>
-      <mc:AlternateContent xmlns:mc="http://schemas.openxmlformats.org/markup-compatibility/2006">
-        <mc:Choice xmlns:a14="http://schemas.microsoft.com/office/drawing/2010/main" Requires="a14">
+      <mc:AlternateContent xmlns:mc="http://schemas.openxmlformats.org/markup-compatibility/2006" xmlns:a14="http://schemas.microsoft.com/office/drawing/2010/main">
+        <mc:Choice Requires="a14">
           <p:graphicFrame>
             <p:nvGraphicFramePr>
               <p:cNvPr id="5" name="표 5">
@@ -7637,7 +7632,7 @@
             </a:graphic>
           </p:graphicFrame>
         </mc:Choice>
-        <mc:Fallback>
+        <mc:Fallback xmlns="">
           <p:graphicFrame>
             <p:nvGraphicFramePr>
               <p:cNvPr id="5" name="표 5">
@@ -8069,7 +8064,7 @@
             <p:spPr>
               <a:xfrm>
                 <a:off x="838199" y="4050729"/>
-                <a:ext cx="10515597" cy="1593898"/>
+                <a:ext cx="10515597" cy="2147767"/>
               </a:xfrm>
               <a:prstGeom prst="rect">
                 <a:avLst/>
@@ -8082,6 +8077,10 @@
               </a:bodyPr>
               <a:lstStyle/>
               <a:p>
+                <a:pPr marL="285750" indent="-285750">
+                  <a:buFont typeface="Arial" panose="020B0604020202020204" pitchFamily="34" charset="0"/>
+                  <a:buChar char="•"/>
+                </a:pPr>
                 <a:r>
                   <a:rPr lang="ko-KR" altLang="en-US" sz="1800" dirty="0">
                     <a:effectLst/>
@@ -8104,55 +8103,129 @@
                   <a:rPr lang="en-US" altLang="ko-KR" sz="1800" dirty="0">
                     <a:effectLst/>
                   </a:rPr>
-                  <a:t>. </a:t>
-                </a:r>
-                <a14:m>
-                  <m:oMath xmlns:m="http://schemas.openxmlformats.org/officeDocument/2006/math">
-                    <m:r>
-                      <a:rPr lang="en-US" altLang="ko-KR" sz="1800" b="0" i="0" smtClean="0">
-                        <a:effectLst/>
-                        <a:latin typeface="Cambria Math" panose="02040503050406030204" pitchFamily="18" charset="0"/>
-                      </a:rPr>
-                      <m:t>= </m:t>
-                    </m:r>
-                    <m:d>
-                      <m:dPr>
-                        <m:ctrlPr>
-                          <a:rPr lang="en-US" altLang="ko-KR" sz="1800" b="0" i="1" smtClean="0">
-                            <a:effectLst/>
-                            <a:latin typeface="Cambria Math" panose="02040503050406030204" pitchFamily="18" charset="0"/>
-                          </a:rPr>
-                        </m:ctrlPr>
-                      </m:dPr>
-                      <m:e>
-                        <m:r>
-                          <a:rPr lang="en-US" altLang="ko-KR" sz="1800" b="0" i="1" smtClean="0">
-                            <a:effectLst/>
-                            <a:latin typeface="Cambria Math" panose="02040503050406030204" pitchFamily="18" charset="0"/>
-                          </a:rPr>
-                          <m:t>𝐸</m:t>
-                        </m:r>
-                        <m:r>
-                          <a:rPr lang="en-US" altLang="ko-KR" sz="1800" b="0" i="1" smtClean="0">
-                            <a:effectLst/>
-                            <a:latin typeface="Cambria Math" panose="02040503050406030204" pitchFamily="18" charset="0"/>
-                          </a:rPr>
-                          <m:t>≤50,000</m:t>
-                        </m:r>
-                      </m:e>
-                    </m:d>
-                  </m:oMath>
-                </a14:m>
+                  <a:t>.</a:t>
+                </a:r>
                 <a:endParaRPr lang="en-US" altLang="ko-KR" sz="1800" b="0" dirty="0">
                   <a:effectLst/>
                 </a:endParaRPr>
               </a:p>
               <a:p>
+                <a:pPr marL="285750" indent="-285750">
+                  <a:buFont typeface="Arial" panose="020B0604020202020204" pitchFamily="34" charset="0"/>
+                  <a:buChar char="•"/>
+                </a:pPr>
+                <a:r>
+                  <a:rPr lang="en-US" altLang="ko-KR" sz="1800" dirty="0"/>
+                  <a:t>a</a:t>
+                </a:r>
+                <a:r>
+                  <a:rPr lang="en-US" altLang="ko-KR" sz="1800" dirty="0">
+                    <a:effectLst/>
+                  </a:rPr>
+                  <a:t>dd() </a:t>
+                </a:r>
+                <a:r>
+                  <a:rPr lang="ko-KR" altLang="en-US" sz="1800" dirty="0">
+                    <a:effectLst/>
+                  </a:rPr>
+                  <a:t>함수 호출 시</a:t>
+                </a:r>
+                <a:r>
+                  <a:rPr lang="en-US" altLang="ko-KR" sz="1800" dirty="0">
+                    <a:effectLst/>
+                  </a:rPr>
+                  <a:t>, </a:t>
+                </a:r>
+                <a:r>
+                  <a:rPr lang="ko-KR" altLang="en-US" sz="1800" dirty="0">
+                    <a:effectLst/>
+                  </a:rPr>
+                  <a:t>서로 친구가 될 친구의 수 </a:t>
+                </a:r>
+                <a:r>
+                  <a:rPr lang="en-US" altLang="ko-KR" sz="1800" dirty="0">
+                    <a:effectLst/>
+                  </a:rPr>
+                  <a:t>F</a:t>
+                </a:r>
+                <a:r>
+                  <a:rPr lang="ko-KR" altLang="en-US" sz="1800" dirty="0">
+                    <a:effectLst/>
+                  </a:rPr>
+                  <a:t>는 </a:t>
+                </a:r>
+                <a:r>
+                  <a:rPr lang="en-US" altLang="ko-KR" sz="1800" dirty="0">
+                    <a:effectLst/>
+                  </a:rPr>
+                  <a:t>1 </a:t>
+                </a:r>
+                <a:r>
+                  <a:rPr lang="ko-KR" altLang="en-US" sz="1800" dirty="0">
+                    <a:effectLst/>
+                  </a:rPr>
+                  <a:t>이상 </a:t>
+                </a:r>
+                <a:r>
+                  <a:rPr lang="en-US" altLang="ko-KR" sz="1800" dirty="0">
+                    <a:effectLst/>
+                  </a:rPr>
+                  <a:t>10 </a:t>
+                </a:r>
+                <a:r>
+                  <a:rPr lang="ko-KR" altLang="en-US" sz="1800" dirty="0">
+                    <a:effectLst/>
+                  </a:rPr>
+                  <a:t>이하이다</a:t>
+                </a:r>
+                <a:r>
+                  <a:rPr lang="en-US" altLang="ko-KR" sz="1800" dirty="0">
+                    <a:effectLst/>
+                  </a:rPr>
+                  <a:t>.</a:t>
+                </a:r>
+              </a:p>
+              <a:p>
+                <a:pPr marL="285750" indent="-285750">
+                  <a:buFont typeface="Arial" panose="020B0604020202020204" pitchFamily="34" charset="0"/>
+                  <a:buChar char="•"/>
+                </a:pPr>
+                <a14:m>
+                  <m:oMath xmlns:m="http://schemas.openxmlformats.org/officeDocument/2006/math">
+                    <m:r>
+                      <a:rPr lang="en-US" altLang="ko-KR" sz="1800" b="0" i="1" smtClean="0">
+                        <a:effectLst/>
+                        <a:latin typeface="Cambria Math" panose="02040503050406030204" pitchFamily="18" charset="0"/>
+                      </a:rPr>
+                      <m:t>𝐸</m:t>
+                    </m:r>
+                    <m:r>
+                      <a:rPr lang="en-US" altLang="ko-KR" sz="1800" b="0" i="1" smtClean="0">
+                        <a:effectLst/>
+                        <a:latin typeface="Cambria Math" panose="02040503050406030204" pitchFamily="18" charset="0"/>
+                      </a:rPr>
+                      <m:t>≤50,000×10</m:t>
+                    </m:r>
+                  </m:oMath>
+                </a14:m>
                 <a:endParaRPr lang="en-US" altLang="ko-KR" sz="1800" dirty="0">
                   <a:effectLst/>
                 </a:endParaRPr>
               </a:p>
               <a:p>
+                <a:pPr marL="285750" indent="-285750">
+                  <a:buFont typeface="Arial" panose="020B0604020202020204" pitchFamily="34" charset="0"/>
+                  <a:buChar char="•"/>
+                </a:pPr>
+                <a:endParaRPr lang="en-US" altLang="ko-KR" sz="1800" dirty="0">
+                  <a:effectLst/>
+                </a:endParaRPr>
+              </a:p>
+              <a:p>
+                <a:pPr marL="285750" indent="-285750">
+                  <a:buFont typeface="Arial" panose="020B0604020202020204" pitchFamily="34" charset="0"/>
+                  <a:buChar char="•"/>
+                </a:pPr>
                 <a:r>
                   <a:rPr lang="ko-KR" altLang="en-US" sz="1800" dirty="0">
                     <a:effectLst/>
@@ -8216,6 +8289,10 @@
                 <a:endParaRPr lang="en-US" altLang="ko-KR" b="1" dirty="0"/>
               </a:p>
               <a:p>
+                <a:pPr marL="285750" indent="-285750">
+                  <a:buFont typeface="Arial" panose="020B0604020202020204" pitchFamily="34" charset="0"/>
+                  <a:buChar char="•"/>
+                </a:pPr>
                 <a:r>
                   <a:rPr lang="ko-KR" altLang="en-US" b="1" dirty="0"/>
                   <a:t>본 문제는 </a:t>
@@ -8250,6 +8327,10 @@
                 </a:r>
               </a:p>
               <a:p>
+                <a:pPr marL="285750" indent="-285750">
+                  <a:buFont typeface="Arial" panose="020B0604020202020204" pitchFamily="34" charset="0"/>
+                  <a:buChar char="•"/>
+                </a:pPr>
                 <a:r>
                   <a:rPr lang="ko-KR" altLang="en-US" dirty="0"/>
                   <a:t>인접 행렬 메모리 사용량</a:t>
@@ -8280,14 +8361,7 @@
                             <a:latin typeface="Cambria Math" panose="02040503050406030204" pitchFamily="18" charset="0"/>
                             <a:ea typeface="Cambria Math" panose="02040503050406030204" pitchFamily="18" charset="0"/>
                           </a:rPr>
-                          <m:t>×</m:t>
-                        </m:r>
-                        <m:r>
-                          <a:rPr lang="en-US" altLang="ko-KR" b="0" i="1" smtClean="0">
-                            <a:latin typeface="Cambria Math" panose="02040503050406030204" pitchFamily="18" charset="0"/>
-                            <a:ea typeface="Cambria Math" panose="02040503050406030204" pitchFamily="18" charset="0"/>
-                          </a:rPr>
-                          <m:t>10000</m:t>
+                          <m:t>×10000</m:t>
                         </m:r>
                       </m:num>
                       <m:den>
@@ -8338,7 +8412,7 @@
             <p:spPr>
               <a:xfrm>
                 <a:off x="838199" y="4050729"/>
-                <a:ext cx="10515597" cy="1593898"/>
+                <a:ext cx="10515597" cy="2147767"/>
               </a:xfrm>
               <a:prstGeom prst="rect">
                 <a:avLst/>
@@ -8346,7 +8420,7 @@
               <a:blipFill>
                 <a:blip r:embed="rId3"/>
                 <a:stretch>
-                  <a:fillRect l="-464" t="-1908" b="-763"/>
+                  <a:fillRect l="-348" t="-1416" b="-283"/>
                 </a:stretch>
               </a:blipFill>
             </p:spPr>
@@ -10216,8 +10290,8 @@
           </a:p>
         </p:txBody>
       </p:sp>
-      <mc:AlternateContent xmlns:mc="http://schemas.openxmlformats.org/markup-compatibility/2006">
-        <mc:Choice xmlns:a14="http://schemas.microsoft.com/office/drawing/2010/main" Requires="a14">
+      <mc:AlternateContent xmlns:mc="http://schemas.openxmlformats.org/markup-compatibility/2006" xmlns:a14="http://schemas.microsoft.com/office/drawing/2010/main">
+        <mc:Choice Requires="a14">
           <p:sp>
             <p:nvSpPr>
               <p:cNvPr id="3" name="내용 개체 틀 2">
@@ -10517,7 +10591,7 @@
             </p:txBody>
           </p:sp>
         </mc:Choice>
-        <mc:Fallback>
+        <mc:Fallback xmlns="">
           <p:sp>
             <p:nvSpPr>
               <p:cNvPr id="3" name="내용 개체 틀 2">
@@ -10616,8 +10690,8 @@
           </a:p>
         </p:txBody>
       </p:sp>
-      <mc:AlternateContent xmlns:mc="http://schemas.openxmlformats.org/markup-compatibility/2006">
-        <mc:Choice xmlns:a14="http://schemas.microsoft.com/office/drawing/2010/main" Requires="a14">
+      <mc:AlternateContent xmlns:mc="http://schemas.openxmlformats.org/markup-compatibility/2006" xmlns:a14="http://schemas.microsoft.com/office/drawing/2010/main">
+        <mc:Choice Requires="a14">
           <p:sp>
             <p:nvSpPr>
               <p:cNvPr id="3" name="내용 개체 틀 2">
@@ -11113,7 +11187,7 @@
             </p:txBody>
           </p:sp>
         </mc:Choice>
-        <mc:Fallback>
+        <mc:Fallback xmlns="">
           <p:sp>
             <p:nvSpPr>
               <p:cNvPr id="3" name="내용 개체 틀 2">
@@ -11212,8 +11286,8 @@
           </a:p>
         </p:txBody>
       </p:sp>
-      <mc:AlternateContent xmlns:mc="http://schemas.openxmlformats.org/markup-compatibility/2006">
-        <mc:Choice xmlns:a14="http://schemas.microsoft.com/office/drawing/2010/main" Requires="a14">
+      <mc:AlternateContent xmlns:mc="http://schemas.openxmlformats.org/markup-compatibility/2006" xmlns:a14="http://schemas.microsoft.com/office/drawing/2010/main">
+        <mc:Choice Requires="a14">
           <p:sp>
             <p:nvSpPr>
               <p:cNvPr id="3" name="내용 개체 틀 2">
@@ -12236,7 +12310,7 @@
             </p:txBody>
           </p:sp>
         </mc:Choice>
-        <mc:Fallback>
+        <mc:Fallback xmlns="">
           <p:sp>
             <p:nvSpPr>
               <p:cNvPr id="3" name="내용 개체 틀 2">
